--- a/data/G3/2.pptx
+++ b/data/G3/2.pptx
@@ -259,7 +259,7 @@
           <a:p>
             <a:fld id="{EDAB301C-3655-3547-95D0-A243383B3ED3}" type="datetimeFigureOut">
               <a:rPr kumimoji="1" lang="zh-CN" altLang="en-US" smtClean="0"/>
-              <a:t>2020/4/7</a:t>
+              <a:t>2020/5/2</a:t>
             </a:fld>
             <a:endParaRPr kumimoji="1" lang="zh-CN" altLang="en-US"/>
           </a:p>
@@ -457,7 +457,7 @@
           <a:p>
             <a:fld id="{EDAB301C-3655-3547-95D0-A243383B3ED3}" type="datetimeFigureOut">
               <a:rPr kumimoji="1" lang="zh-CN" altLang="en-US" smtClean="0"/>
-              <a:t>2020/4/7</a:t>
+              <a:t>2020/5/2</a:t>
             </a:fld>
             <a:endParaRPr kumimoji="1" lang="zh-CN" altLang="en-US"/>
           </a:p>
@@ -665,7 +665,7 @@
           <a:p>
             <a:fld id="{EDAB301C-3655-3547-95D0-A243383B3ED3}" type="datetimeFigureOut">
               <a:rPr kumimoji="1" lang="zh-CN" altLang="en-US" smtClean="0"/>
-              <a:t>2020/4/7</a:t>
+              <a:t>2020/5/2</a:t>
             </a:fld>
             <a:endParaRPr kumimoji="1" lang="zh-CN" altLang="en-US"/>
           </a:p>
@@ -863,7 +863,7 @@
           <a:p>
             <a:fld id="{EDAB301C-3655-3547-95D0-A243383B3ED3}" type="datetimeFigureOut">
               <a:rPr kumimoji="1" lang="zh-CN" altLang="en-US" smtClean="0"/>
-              <a:t>2020/4/7</a:t>
+              <a:t>2020/5/2</a:t>
             </a:fld>
             <a:endParaRPr kumimoji="1" lang="zh-CN" altLang="en-US"/>
           </a:p>
@@ -1138,7 +1138,7 @@
           <a:p>
             <a:fld id="{EDAB301C-3655-3547-95D0-A243383B3ED3}" type="datetimeFigureOut">
               <a:rPr kumimoji="1" lang="zh-CN" altLang="en-US" smtClean="0"/>
-              <a:t>2020/4/7</a:t>
+              <a:t>2020/5/2</a:t>
             </a:fld>
             <a:endParaRPr kumimoji="1" lang="zh-CN" altLang="en-US"/>
           </a:p>
@@ -1403,7 +1403,7 @@
           <a:p>
             <a:fld id="{EDAB301C-3655-3547-95D0-A243383B3ED3}" type="datetimeFigureOut">
               <a:rPr kumimoji="1" lang="zh-CN" altLang="en-US" smtClean="0"/>
-              <a:t>2020/4/7</a:t>
+              <a:t>2020/5/2</a:t>
             </a:fld>
             <a:endParaRPr kumimoji="1" lang="zh-CN" altLang="en-US"/>
           </a:p>
@@ -1815,7 +1815,7 @@
           <a:p>
             <a:fld id="{EDAB301C-3655-3547-95D0-A243383B3ED3}" type="datetimeFigureOut">
               <a:rPr kumimoji="1" lang="zh-CN" altLang="en-US" smtClean="0"/>
-              <a:t>2020/4/7</a:t>
+              <a:t>2020/5/2</a:t>
             </a:fld>
             <a:endParaRPr kumimoji="1" lang="zh-CN" altLang="en-US"/>
           </a:p>
@@ -1956,7 +1956,7 @@
           <a:p>
             <a:fld id="{EDAB301C-3655-3547-95D0-A243383B3ED3}" type="datetimeFigureOut">
               <a:rPr kumimoji="1" lang="zh-CN" altLang="en-US" smtClean="0"/>
-              <a:t>2020/4/7</a:t>
+              <a:t>2020/5/2</a:t>
             </a:fld>
             <a:endParaRPr kumimoji="1" lang="zh-CN" altLang="en-US"/>
           </a:p>
@@ -2069,7 +2069,7 @@
           <a:p>
             <a:fld id="{EDAB301C-3655-3547-95D0-A243383B3ED3}" type="datetimeFigureOut">
               <a:rPr kumimoji="1" lang="zh-CN" altLang="en-US" smtClean="0"/>
-              <a:t>2020/4/7</a:t>
+              <a:t>2020/5/2</a:t>
             </a:fld>
             <a:endParaRPr kumimoji="1" lang="zh-CN" altLang="en-US"/>
           </a:p>
@@ -2380,7 +2380,7 @@
           <a:p>
             <a:fld id="{EDAB301C-3655-3547-95D0-A243383B3ED3}" type="datetimeFigureOut">
               <a:rPr kumimoji="1" lang="zh-CN" altLang="en-US" smtClean="0"/>
-              <a:t>2020/4/7</a:t>
+              <a:t>2020/5/2</a:t>
             </a:fld>
             <a:endParaRPr kumimoji="1" lang="zh-CN" altLang="en-US"/>
           </a:p>
@@ -2668,7 +2668,7 @@
           <a:p>
             <a:fld id="{EDAB301C-3655-3547-95D0-A243383B3ED3}" type="datetimeFigureOut">
               <a:rPr kumimoji="1" lang="zh-CN" altLang="en-US" smtClean="0"/>
-              <a:t>2020/4/7</a:t>
+              <a:t>2020/5/2</a:t>
             </a:fld>
             <a:endParaRPr kumimoji="1" lang="zh-CN" altLang="en-US"/>
           </a:p>
@@ -2909,7 +2909,7 @@
           <a:p>
             <a:fld id="{EDAB301C-3655-3547-95D0-A243383B3ED3}" type="datetimeFigureOut">
               <a:rPr kumimoji="1" lang="zh-CN" altLang="en-US" smtClean="0"/>
-              <a:t>2020/4/7</a:t>
+              <a:t>2020/5/2</a:t>
             </a:fld>
             <a:endParaRPr kumimoji="1" lang="zh-CN" altLang="en-US"/>
           </a:p>
@@ -3342,10 +3342,10 @@
       </p:grpSpPr>
       <p:sp>
         <p:nvSpPr>
-          <p:cNvPr id="2" name="文本框 1">
-            <a:extLst>
-              <a:ext uri="{FF2B5EF4-FFF2-40B4-BE49-F238E27FC236}">
-                <a16:creationId xmlns:a16="http://schemas.microsoft.com/office/drawing/2014/main" id="{1EDB34DA-8C4C-8049-990A-9A643E232E67}"/>
+          <p:cNvPr id="25" name="文本框 24">
+            <a:extLst>
+              <a:ext uri="{FF2B5EF4-FFF2-40B4-BE49-F238E27FC236}">
+                <a16:creationId xmlns:a16="http://schemas.microsoft.com/office/drawing/2014/main" id="{55A2631B-A77A-C14F-937D-D391C3187524}"/>
               </a:ext>
             </a:extLst>
           </p:cNvPr>
@@ -3354,45 +3354,7 @@
         </p:nvSpPr>
         <p:spPr>
           <a:xfrm>
-            <a:off x="4824248" y="1093077"/>
-            <a:ext cx="184731" cy="923330"/>
-          </a:xfrm>
-          <a:prstGeom prst="rect">
-            <a:avLst/>
-          </a:prstGeom>
-          <a:noFill/>
-        </p:spPr>
-        <p:txBody>
-          <a:bodyPr wrap="none" rtlCol="0">
-            <a:spAutoFit/>
-          </a:bodyPr>
-          <a:lstStyle/>
-          <a:p>
-            <a:br>
-              <a:rPr lang="zh-CN" altLang="en-US" dirty="0"/>
-            </a:br>
-            <a:br>
-              <a:rPr lang="zh-CN" altLang="en-US" dirty="0"/>
-            </a:br>
-            <a:endParaRPr kumimoji="1" lang="zh-CN" altLang="en-US" dirty="0"/>
-          </a:p>
-        </p:txBody>
-      </p:sp>
-      <p:sp>
-        <p:nvSpPr>
-          <p:cNvPr id="3" name="文本框 2">
-            <a:extLst>
-              <a:ext uri="{FF2B5EF4-FFF2-40B4-BE49-F238E27FC236}">
-                <a16:creationId xmlns:a16="http://schemas.microsoft.com/office/drawing/2014/main" id="{3F22C139-BB76-0C47-BC28-3C63C900FEFD}"/>
-              </a:ext>
-            </a:extLst>
-          </p:cNvPr>
-          <p:cNvSpPr txBox="1"/>
-          <p:nvPr/>
-        </p:nvSpPr>
-        <p:spPr>
-          <a:xfrm>
-            <a:off x="3014667" y="4841170"/>
+            <a:off x="10068910" y="2207172"/>
             <a:ext cx="415498" cy="369332"/>
           </a:xfrm>
           <a:prstGeom prst="rect">
@@ -3416,10 +3378,10 @@
       </p:sp>
       <p:sp>
         <p:nvSpPr>
-          <p:cNvPr id="4" name="文本框 3">
-            <a:extLst>
-              <a:ext uri="{FF2B5EF4-FFF2-40B4-BE49-F238E27FC236}">
-                <a16:creationId xmlns:a16="http://schemas.microsoft.com/office/drawing/2014/main" id="{9EBF9B87-1808-254D-85B2-11D62E86AC46}"/>
+          <p:cNvPr id="26" name="文本框 25">
+            <a:extLst>
+              <a:ext uri="{FF2B5EF4-FFF2-40B4-BE49-F238E27FC236}">
+                <a16:creationId xmlns:a16="http://schemas.microsoft.com/office/drawing/2014/main" id="{6C964CAA-E080-664D-9119-DA9D8DCB45E8}"/>
               </a:ext>
             </a:extLst>
           </p:cNvPr>
@@ -3428,7 +3390,7 @@
         </p:nvSpPr>
         <p:spPr>
           <a:xfrm>
-            <a:off x="8828690" y="5118538"/>
+            <a:off x="11014841" y="3059668"/>
             <a:ext cx="415498" cy="369332"/>
           </a:xfrm>
           <a:prstGeom prst="rect">
@@ -3452,10 +3414,10 @@
       </p:sp>
       <p:sp>
         <p:nvSpPr>
-          <p:cNvPr id="5" name="文本框 4">
-            <a:extLst>
-              <a:ext uri="{FF2B5EF4-FFF2-40B4-BE49-F238E27FC236}">
-                <a16:creationId xmlns:a16="http://schemas.microsoft.com/office/drawing/2014/main" id="{3F552644-B8B4-FD42-ABFE-F4D4CFD8C7CC}"/>
+          <p:cNvPr id="27" name="文本框 26">
+            <a:extLst>
+              <a:ext uri="{FF2B5EF4-FFF2-40B4-BE49-F238E27FC236}">
+                <a16:creationId xmlns:a16="http://schemas.microsoft.com/office/drawing/2014/main" id="{D895E854-F2B0-484C-A5FB-30E84B7A3214}"/>
               </a:ext>
             </a:extLst>
           </p:cNvPr>
@@ -3464,7 +3426,7 @@
         </p:nvSpPr>
         <p:spPr>
           <a:xfrm>
-            <a:off x="10888717" y="3244334"/>
+            <a:off x="10599343" y="3059668"/>
             <a:ext cx="415498" cy="369332"/>
           </a:xfrm>
           <a:prstGeom prst="rect">
@@ -3488,10 +3450,10 @@
       </p:sp>
       <p:sp>
         <p:nvSpPr>
-          <p:cNvPr id="6" name="文本框 5">
-            <a:extLst>
-              <a:ext uri="{FF2B5EF4-FFF2-40B4-BE49-F238E27FC236}">
-                <a16:creationId xmlns:a16="http://schemas.microsoft.com/office/drawing/2014/main" id="{963B344A-C6D5-AE4C-987A-11CA5A3803EA}"/>
+          <p:cNvPr id="28" name="文本框 27">
+            <a:extLst>
+              <a:ext uri="{FF2B5EF4-FFF2-40B4-BE49-F238E27FC236}">
+                <a16:creationId xmlns:a16="http://schemas.microsoft.com/office/drawing/2014/main" id="{4273AF44-5DB0-544E-A5AE-F0EDD694EE06}"/>
               </a:ext>
             </a:extLst>
           </p:cNvPr>
@@ -3500,7 +3462,7 @@
         </p:nvSpPr>
         <p:spPr>
           <a:xfrm>
-            <a:off x="11043914" y="3429000"/>
+            <a:off x="2270235" y="918130"/>
             <a:ext cx="415498" cy="369332"/>
           </a:xfrm>
           <a:prstGeom prst="rect">
@@ -3524,10 +3486,10 @@
       </p:sp>
       <p:sp>
         <p:nvSpPr>
-          <p:cNvPr id="7" name="文本框 6">
-            <a:extLst>
-              <a:ext uri="{FF2B5EF4-FFF2-40B4-BE49-F238E27FC236}">
-                <a16:creationId xmlns:a16="http://schemas.microsoft.com/office/drawing/2014/main" id="{166B0B23-5335-804D-9766-1C3151933523}"/>
+          <p:cNvPr id="29" name="文本框 28">
+            <a:extLst>
+              <a:ext uri="{FF2B5EF4-FFF2-40B4-BE49-F238E27FC236}">
+                <a16:creationId xmlns:a16="http://schemas.microsoft.com/office/drawing/2014/main" id="{3408A96D-1374-134A-878F-8B28BE0A340F}"/>
               </a:ext>
             </a:extLst>
           </p:cNvPr>
@@ -3536,7 +3498,7 @@
         </p:nvSpPr>
         <p:spPr>
           <a:xfrm>
-            <a:off x="2911366" y="1429407"/>
+            <a:off x="9858703" y="1681655"/>
             <a:ext cx="415498" cy="369332"/>
           </a:xfrm>
           <a:prstGeom prst="rect">
@@ -3560,10 +3522,10 @@
       </p:sp>
       <p:sp>
         <p:nvSpPr>
-          <p:cNvPr id="8" name="文本框 7">
-            <a:extLst>
-              <a:ext uri="{FF2B5EF4-FFF2-40B4-BE49-F238E27FC236}">
-                <a16:creationId xmlns:a16="http://schemas.microsoft.com/office/drawing/2014/main" id="{0973A1B3-D61F-B149-AB36-079E6BEB2B24}"/>
+          <p:cNvPr id="30" name="文本框 29">
+            <a:extLst>
+              <a:ext uri="{FF2B5EF4-FFF2-40B4-BE49-F238E27FC236}">
+                <a16:creationId xmlns:a16="http://schemas.microsoft.com/office/drawing/2014/main" id="{6F4BFE0E-80DA-1E4F-AB99-A9C46C152DF0}"/>
               </a:ext>
             </a:extLst>
           </p:cNvPr>
@@ -3572,7 +3534,7 @@
         </p:nvSpPr>
         <p:spPr>
           <a:xfrm>
-            <a:off x="686100" y="3308131"/>
+            <a:off x="11157070" y="3563006"/>
             <a:ext cx="415498" cy="369332"/>
           </a:xfrm>
           <a:prstGeom prst="rect">
@@ -3596,10 +3558,10 @@
       </p:sp>
       <p:sp>
         <p:nvSpPr>
-          <p:cNvPr id="9" name="文本框 8">
-            <a:extLst>
-              <a:ext uri="{FF2B5EF4-FFF2-40B4-BE49-F238E27FC236}">
-                <a16:creationId xmlns:a16="http://schemas.microsoft.com/office/drawing/2014/main" id="{DB47C637-66C5-8B4C-A56B-26B20C029836}"/>
+          <p:cNvPr id="31" name="文本框 30">
+            <a:extLst>
+              <a:ext uri="{FF2B5EF4-FFF2-40B4-BE49-F238E27FC236}">
+                <a16:creationId xmlns:a16="http://schemas.microsoft.com/office/drawing/2014/main" id="{8D643B90-0D97-7B47-9173-A25CDD7281EB}"/>
               </a:ext>
             </a:extLst>
           </p:cNvPr>
@@ -3608,7 +3570,7 @@
         </p:nvSpPr>
         <p:spPr>
           <a:xfrm>
-            <a:off x="740853" y="3059668"/>
+            <a:off x="683173" y="2963918"/>
             <a:ext cx="415498" cy="369332"/>
           </a:xfrm>
           <a:prstGeom prst="rect">
@@ -3632,10 +3594,10 @@
       </p:sp>
       <p:sp>
         <p:nvSpPr>
-          <p:cNvPr id="10" name="文本框 9">
-            <a:extLst>
-              <a:ext uri="{FF2B5EF4-FFF2-40B4-BE49-F238E27FC236}">
-                <a16:creationId xmlns:a16="http://schemas.microsoft.com/office/drawing/2014/main" id="{DD3AC938-19F5-FF45-8010-77DA2C751A53}"/>
+          <p:cNvPr id="32" name="文本框 31">
+            <a:extLst>
+              <a:ext uri="{FF2B5EF4-FFF2-40B4-BE49-F238E27FC236}">
+                <a16:creationId xmlns:a16="http://schemas.microsoft.com/office/drawing/2014/main" id="{D4704C86-6A93-E347-9B72-38C5E95FBE53}"/>
               </a:ext>
             </a:extLst>
           </p:cNvPr>
@@ -3644,7 +3606,7 @@
         </p:nvSpPr>
         <p:spPr>
           <a:xfrm>
-            <a:off x="2312276" y="3804745"/>
+            <a:off x="10970341" y="3429000"/>
             <a:ext cx="415498" cy="369332"/>
           </a:xfrm>
           <a:prstGeom prst="rect">
@@ -3660,7 +3622,7 @@
           <a:p>
             <a:r>
               <a:rPr lang="zh-CN" altLang="en-US" dirty="0"/>
-              <a:t>⑧</a:t>
+              <a:t>⑨</a:t>
             </a:r>
             <a:endParaRPr kumimoji="1" lang="zh-CN" altLang="en-US" dirty="0"/>
           </a:p>
@@ -3668,10 +3630,10 @@
       </p:sp>
       <p:sp>
         <p:nvSpPr>
-          <p:cNvPr id="12" name="文本框 11">
-            <a:extLst>
-              <a:ext uri="{FF2B5EF4-FFF2-40B4-BE49-F238E27FC236}">
-                <a16:creationId xmlns:a16="http://schemas.microsoft.com/office/drawing/2014/main" id="{2A1590D2-67AD-F449-8630-6BE6FA10F4C8}"/>
+          <p:cNvPr id="33" name="文本框 32">
+            <a:extLst>
+              <a:ext uri="{FF2B5EF4-FFF2-40B4-BE49-F238E27FC236}">
+                <a16:creationId xmlns:a16="http://schemas.microsoft.com/office/drawing/2014/main" id="{1C28A5C3-028E-E143-BAC8-38086410FEBB}"/>
               </a:ext>
             </a:extLst>
           </p:cNvPr>
@@ -3680,7 +3642,7 @@
         </p:nvSpPr>
         <p:spPr>
           <a:xfrm>
-            <a:off x="3163844" y="4644102"/>
+            <a:off x="11215766" y="3110328"/>
             <a:ext cx="415498" cy="369332"/>
           </a:xfrm>
           <a:prstGeom prst="rect">
@@ -3689,7 +3651,7 @@
           <a:noFill/>
         </p:spPr>
         <p:txBody>
-          <a:bodyPr wrap="square" rtlCol="0">
+          <a:bodyPr wrap="none" rtlCol="0">
             <a:spAutoFit/>
           </a:bodyPr>
           <a:lstStyle/>
@@ -3704,10 +3666,10 @@
       </p:sp>
       <p:sp>
         <p:nvSpPr>
-          <p:cNvPr id="13" name="文本框 12">
-            <a:extLst>
-              <a:ext uri="{FF2B5EF4-FFF2-40B4-BE49-F238E27FC236}">
-                <a16:creationId xmlns:a16="http://schemas.microsoft.com/office/drawing/2014/main" id="{E739DA8E-7A90-9645-B12A-F5F514C871AA}"/>
+          <p:cNvPr id="34" name="文本框 33">
+            <a:extLst>
+              <a:ext uri="{FF2B5EF4-FFF2-40B4-BE49-F238E27FC236}">
+                <a16:creationId xmlns:a16="http://schemas.microsoft.com/office/drawing/2014/main" id="{662046A4-D26E-FB40-8CB5-5671A2A74547}"/>
               </a:ext>
             </a:extLst>
           </p:cNvPr>
@@ -3716,7 +3678,7 @@
         </p:nvSpPr>
         <p:spPr>
           <a:xfrm>
-            <a:off x="3071479" y="1554742"/>
+            <a:off x="1923393" y="746234"/>
             <a:ext cx="461986" cy="369332"/>
           </a:xfrm>
           <a:prstGeom prst="rect">
@@ -3740,10 +3702,10 @@
       </p:sp>
       <p:sp>
         <p:nvSpPr>
-          <p:cNvPr id="14" name="文本框 13">
-            <a:extLst>
-              <a:ext uri="{FF2B5EF4-FFF2-40B4-BE49-F238E27FC236}">
-                <a16:creationId xmlns:a16="http://schemas.microsoft.com/office/drawing/2014/main" id="{E04795ED-FFC9-ED45-AED9-F62E0A79A465}"/>
+          <p:cNvPr id="35" name="文本框 34">
+            <a:extLst>
+              <a:ext uri="{FF2B5EF4-FFF2-40B4-BE49-F238E27FC236}">
+                <a16:creationId xmlns:a16="http://schemas.microsoft.com/office/drawing/2014/main" id="{817EC46A-BE0B-8347-AC6D-9E271E9496D9}"/>
               </a:ext>
             </a:extLst>
           </p:cNvPr>
@@ -3752,7 +3714,7 @@
         </p:nvSpPr>
         <p:spPr>
           <a:xfrm>
-            <a:off x="2312276" y="3613666"/>
+            <a:off x="10836166" y="2617076"/>
             <a:ext cx="461986" cy="369332"/>
           </a:xfrm>
           <a:prstGeom prst="rect">
@@ -3776,10 +3738,10 @@
       </p:sp>
       <p:sp>
         <p:nvSpPr>
-          <p:cNvPr id="15" name="文本框 14">
-            <a:extLst>
-              <a:ext uri="{FF2B5EF4-FFF2-40B4-BE49-F238E27FC236}">
-                <a16:creationId xmlns:a16="http://schemas.microsoft.com/office/drawing/2014/main" id="{CE2623A2-AF8A-B142-9561-2FA681AF3BA2}"/>
+          <p:cNvPr id="36" name="文本框 35">
+            <a:extLst>
+              <a:ext uri="{FF2B5EF4-FFF2-40B4-BE49-F238E27FC236}">
+                <a16:creationId xmlns:a16="http://schemas.microsoft.com/office/drawing/2014/main" id="{448E6473-E3B8-654B-99A4-61171CA75176}"/>
               </a:ext>
             </a:extLst>
           </p:cNvPr>
@@ -3788,7 +3750,7 @@
         </p:nvSpPr>
         <p:spPr>
           <a:xfrm>
-            <a:off x="656792" y="3582870"/>
+            <a:off x="715173" y="3325367"/>
             <a:ext cx="461986" cy="369332"/>
           </a:xfrm>
           <a:prstGeom prst="rect">
@@ -3812,10 +3774,10 @@
       </p:sp>
       <p:sp>
         <p:nvSpPr>
-          <p:cNvPr id="16" name="文本框 15">
-            <a:extLst>
-              <a:ext uri="{FF2B5EF4-FFF2-40B4-BE49-F238E27FC236}">
-                <a16:creationId xmlns:a16="http://schemas.microsoft.com/office/drawing/2014/main" id="{2CE0A077-CD65-B04C-9CD9-DAE9F9FD7D7A}"/>
+          <p:cNvPr id="37" name="文本框 36">
+            <a:extLst>
+              <a:ext uri="{FF2B5EF4-FFF2-40B4-BE49-F238E27FC236}">
+                <a16:creationId xmlns:a16="http://schemas.microsoft.com/office/drawing/2014/main" id="{3E3BC174-C5EE-F744-9C46-28BE86460130}"/>
               </a:ext>
             </a:extLst>
           </p:cNvPr>
@@ -3824,7 +3786,7 @@
         </p:nvSpPr>
         <p:spPr>
           <a:xfrm>
-            <a:off x="11319641" y="493986"/>
+            <a:off x="284253" y="456465"/>
             <a:ext cx="461986" cy="369332"/>
           </a:xfrm>
           <a:prstGeom prst="rect">
@@ -3848,10 +3810,10 @@
       </p:sp>
       <p:sp>
         <p:nvSpPr>
-          <p:cNvPr id="17" name="文本框 16">
-            <a:extLst>
-              <a:ext uri="{FF2B5EF4-FFF2-40B4-BE49-F238E27FC236}">
-                <a16:creationId xmlns:a16="http://schemas.microsoft.com/office/drawing/2014/main" id="{6E242A27-70D6-414C-8D31-578D3AD22B2E}"/>
+          <p:cNvPr id="38" name="文本框 37">
+            <a:extLst>
+              <a:ext uri="{FF2B5EF4-FFF2-40B4-BE49-F238E27FC236}">
+                <a16:creationId xmlns:a16="http://schemas.microsoft.com/office/drawing/2014/main" id="{C81FE83E-C0B5-7047-84B4-E1A1426D654F}"/>
               </a:ext>
             </a:extLst>
           </p:cNvPr>
@@ -3860,7 +3822,7 @@
         </p:nvSpPr>
         <p:spPr>
           <a:xfrm>
-            <a:off x="11043914" y="2967335"/>
+            <a:off x="11311507" y="3361997"/>
             <a:ext cx="461986" cy="369332"/>
           </a:xfrm>
           <a:prstGeom prst="rect">
@@ -3884,10 +3846,10 @@
       </p:sp>
       <p:sp>
         <p:nvSpPr>
-          <p:cNvPr id="18" name="文本框 17">
-            <a:extLst>
-              <a:ext uri="{FF2B5EF4-FFF2-40B4-BE49-F238E27FC236}">
-                <a16:creationId xmlns:a16="http://schemas.microsoft.com/office/drawing/2014/main" id="{39DF0519-381B-D349-AC6E-794F0575B25A}"/>
+          <p:cNvPr id="39" name="文本框 38">
+            <a:extLst>
+              <a:ext uri="{FF2B5EF4-FFF2-40B4-BE49-F238E27FC236}">
+                <a16:creationId xmlns:a16="http://schemas.microsoft.com/office/drawing/2014/main" id="{0F0465A2-196A-9D4B-8344-8882741136B3}"/>
               </a:ext>
             </a:extLst>
           </p:cNvPr>
@@ -3896,7 +3858,7 @@
         </p:nvSpPr>
         <p:spPr>
           <a:xfrm>
-            <a:off x="2864878" y="5095625"/>
+            <a:off x="8692055" y="5065986"/>
             <a:ext cx="461986" cy="369332"/>
           </a:xfrm>
           <a:prstGeom prst="rect">
@@ -3920,10 +3882,10 @@
       </p:sp>
       <p:sp>
         <p:nvSpPr>
-          <p:cNvPr id="19" name="文本框 18">
-            <a:extLst>
-              <a:ext uri="{FF2B5EF4-FFF2-40B4-BE49-F238E27FC236}">
-                <a16:creationId xmlns:a16="http://schemas.microsoft.com/office/drawing/2014/main" id="{85F3D092-9235-2344-BC00-10C35A7A7EB7}"/>
+          <p:cNvPr id="40" name="文本框 39">
+            <a:extLst>
+              <a:ext uri="{FF2B5EF4-FFF2-40B4-BE49-F238E27FC236}">
+                <a16:creationId xmlns:a16="http://schemas.microsoft.com/office/drawing/2014/main" id="{F1741B03-18B3-AE40-89DA-57FB6BE617F8}"/>
               </a:ext>
             </a:extLst>
           </p:cNvPr>
@@ -3932,7 +3894,7 @@
         </p:nvSpPr>
         <p:spPr>
           <a:xfrm>
-            <a:off x="3071479" y="5108027"/>
+            <a:off x="10949321" y="3647168"/>
             <a:ext cx="461986" cy="369332"/>
           </a:xfrm>
           <a:prstGeom prst="rect">
@@ -3956,10 +3918,10 @@
       </p:sp>
       <p:sp>
         <p:nvSpPr>
-          <p:cNvPr id="20" name="文本框 19">
-            <a:extLst>
-              <a:ext uri="{FF2B5EF4-FFF2-40B4-BE49-F238E27FC236}">
-                <a16:creationId xmlns:a16="http://schemas.microsoft.com/office/drawing/2014/main" id="{80D3A533-378D-BF44-BBAA-A39FFBB4EE34}"/>
+          <p:cNvPr id="41" name="文本框 40">
+            <a:extLst>
+              <a:ext uri="{FF2B5EF4-FFF2-40B4-BE49-F238E27FC236}">
+                <a16:creationId xmlns:a16="http://schemas.microsoft.com/office/drawing/2014/main" id="{8CE1954E-F2C7-EB46-9DCD-BF4D3F6D2107}"/>
               </a:ext>
             </a:extLst>
           </p:cNvPr>
@@ -3968,7 +3930,7 @@
         </p:nvSpPr>
         <p:spPr>
           <a:xfrm>
-            <a:off x="846213" y="3455276"/>
+            <a:off x="606893" y="3524751"/>
             <a:ext cx="461986" cy="369332"/>
           </a:xfrm>
           <a:prstGeom prst="rect">
@@ -3984,7 +3946,7 @@
           <a:p>
             <a:r>
               <a:rPr lang="zh-CN" altLang="en-US" dirty="0"/>
-              <a:t>⑲</a:t>
+              <a:t>⑱</a:t>
             </a:r>
             <a:endParaRPr kumimoji="1" lang="zh-CN" altLang="en-US" dirty="0"/>
           </a:p>
@@ -3992,10 +3954,10 @@
       </p:sp>
       <p:sp>
         <p:nvSpPr>
-          <p:cNvPr id="21" name="文本框 20">
-            <a:extLst>
-              <a:ext uri="{FF2B5EF4-FFF2-40B4-BE49-F238E27FC236}">
-                <a16:creationId xmlns:a16="http://schemas.microsoft.com/office/drawing/2014/main" id="{1211C732-78CC-8E41-80A9-D07195CBFFEC}"/>
+          <p:cNvPr id="42" name="文本框 41">
+            <a:extLst>
+              <a:ext uri="{FF2B5EF4-FFF2-40B4-BE49-F238E27FC236}">
+                <a16:creationId xmlns:a16="http://schemas.microsoft.com/office/drawing/2014/main" id="{69397AD3-A4FF-1049-B3D1-4E46DF02A994}"/>
               </a:ext>
             </a:extLst>
           </p:cNvPr>
@@ -4004,7 +3966,7 @@
         </p:nvSpPr>
         <p:spPr>
           <a:xfrm>
-            <a:off x="897982" y="3195145"/>
+            <a:off x="10804400" y="3219412"/>
             <a:ext cx="461986" cy="369332"/>
           </a:xfrm>
           <a:prstGeom prst="rect">
@@ -4020,115 +3982,7 @@
           <a:p>
             <a:r>
               <a:rPr lang="zh-CN" altLang="en-US" dirty="0"/>
-              <a:t>⑳</a:t>
-            </a:r>
-            <a:endParaRPr kumimoji="1" lang="zh-CN" altLang="en-US" dirty="0"/>
-          </a:p>
-        </p:txBody>
-      </p:sp>
-      <p:sp>
-        <p:nvSpPr>
-          <p:cNvPr id="22" name="文本框 21">
-            <a:extLst>
-              <a:ext uri="{FF2B5EF4-FFF2-40B4-BE49-F238E27FC236}">
-                <a16:creationId xmlns:a16="http://schemas.microsoft.com/office/drawing/2014/main" id="{9E4C253B-7490-6D44-81BA-94CBE3865AD9}"/>
-              </a:ext>
-            </a:extLst>
-          </p:cNvPr>
-          <p:cNvSpPr txBox="1"/>
-          <p:nvPr/>
-        </p:nvSpPr>
-        <p:spPr>
-          <a:xfrm>
-            <a:off x="11251663" y="3085944"/>
-            <a:ext cx="415498" cy="369332"/>
-          </a:xfrm>
-          <a:prstGeom prst="rect">
-            <a:avLst/>
-          </a:prstGeom>
-          <a:noFill/>
-        </p:spPr>
-        <p:txBody>
-          <a:bodyPr wrap="none" rtlCol="0">
-            <a:spAutoFit/>
-          </a:bodyPr>
-          <a:lstStyle/>
-          <a:p>
-            <a:r>
-              <a:rPr lang="zh-CN" altLang="en-US" dirty="0"/>
-              <a:t>㉑</a:t>
-            </a:r>
-            <a:endParaRPr kumimoji="1" lang="zh-CN" altLang="en-US" dirty="0"/>
-          </a:p>
-        </p:txBody>
-      </p:sp>
-      <p:sp>
-        <p:nvSpPr>
-          <p:cNvPr id="23" name="文本框 22">
-            <a:extLst>
-              <a:ext uri="{FF2B5EF4-FFF2-40B4-BE49-F238E27FC236}">
-                <a16:creationId xmlns:a16="http://schemas.microsoft.com/office/drawing/2014/main" id="{F370F717-4A83-2944-8E25-9E74845CCF95}"/>
-              </a:ext>
-            </a:extLst>
-          </p:cNvPr>
-          <p:cNvSpPr txBox="1"/>
-          <p:nvPr/>
-        </p:nvSpPr>
-        <p:spPr>
-          <a:xfrm>
-            <a:off x="10836165" y="2993611"/>
-            <a:ext cx="415498" cy="369332"/>
-          </a:xfrm>
-          <a:prstGeom prst="rect">
-            <a:avLst/>
-          </a:prstGeom>
-          <a:noFill/>
-        </p:spPr>
-        <p:txBody>
-          <a:bodyPr wrap="none" rtlCol="0">
-            <a:spAutoFit/>
-          </a:bodyPr>
-          <a:lstStyle/>
-          <a:p>
-            <a:r>
-              <a:rPr lang="zh-CN" altLang="en-US" dirty="0"/>
-              <a:t>㉒</a:t>
-            </a:r>
-            <a:endParaRPr kumimoji="1" lang="zh-CN" altLang="en-US" dirty="0"/>
-          </a:p>
-        </p:txBody>
-      </p:sp>
-      <p:sp>
-        <p:nvSpPr>
-          <p:cNvPr id="24" name="文本框 23">
-            <a:extLst>
-              <a:ext uri="{FF2B5EF4-FFF2-40B4-BE49-F238E27FC236}">
-                <a16:creationId xmlns:a16="http://schemas.microsoft.com/office/drawing/2014/main" id="{D07533BE-F5BE-734B-AF1D-1B284CEBC393}"/>
-              </a:ext>
-            </a:extLst>
-          </p:cNvPr>
-          <p:cNvSpPr txBox="1"/>
-          <p:nvPr/>
-        </p:nvSpPr>
-        <p:spPr>
-          <a:xfrm>
-            <a:off x="10859409" y="3481552"/>
-            <a:ext cx="415498" cy="369332"/>
-          </a:xfrm>
-          <a:prstGeom prst="rect">
-            <a:avLst/>
-          </a:prstGeom>
-          <a:noFill/>
-        </p:spPr>
-        <p:txBody>
-          <a:bodyPr wrap="none" rtlCol="0">
-            <a:spAutoFit/>
-          </a:bodyPr>
-          <a:lstStyle/>
-          <a:p>
-            <a:r>
-              <a:rPr lang="zh-CN" altLang="en-US" dirty="0"/>
-              <a:t>㉓</a:t>
+              <a:t>⑲</a:t>
             </a:r>
             <a:endParaRPr kumimoji="1" lang="zh-CN" altLang="en-US" dirty="0"/>
           </a:p>
